--- a/APPetit Presentation.pptx
+++ b/APPetit Presentation.pptx
@@ -168,7 +168,7 @@
 
 <file path=ppt/commentAuthors.xml><?xml version="1.0" encoding="utf-8"?>
 <p:cmAuthorLst xmlns:a="http://schemas.openxmlformats.org/drawingml/2006/main" xmlns:r="http://schemas.openxmlformats.org/officeDocument/2006/relationships" xmlns:p="http://schemas.openxmlformats.org/presentationml/2006/main">
-  <p:cmAuthor id="2" name="Author" initials="A" lastIdx="0" clrIdx="1"/>
+  <p:cmAuthor id="3" name="Autore" initials="A" lastIdx="0" clrIdx="2"/>
 </p:cmAuthorLst>
 </file>
 
@@ -320,7 +320,7 @@
           <a:p>
             <a:fld id="{9C679768-A2FC-4D08-91F6-8DCE6C566B36}" type="slidenum">
               <a:rPr lang="en-US" smtClean="0"/>
-              <a:t>‹#›</a:t>
+              <a:t>‹N›</a:t>
             </a:fld>
             <a:endParaRPr lang="en-US" dirty="0"/>
           </a:p>
@@ -577,7 +577,7 @@
           <a:p>
             <a:fld id="{DF61EA0F-A667-4B49-8422-0062BC55E249}" type="slidenum">
               <a:rPr lang="en-US" smtClean="0"/>
-              <a:t>‹#›</a:t>
+              <a:t>‹N›</a:t>
             </a:fld>
             <a:endParaRPr lang="en-US" dirty="0"/>
           </a:p>
@@ -1384,7 +1384,7 @@
             <a:fld id="{9860EDB8-5305-433F-BE41-D7A86D811DB3}" type="slidenum">
               <a:rPr lang="en-US" smtClean="0"/>
               <a:pPr/>
-              <a:t>‹#›</a:t>
+              <a:t>‹N›</a:t>
             </a:fld>
             <a:endParaRPr lang="en-US" dirty="0"/>
           </a:p>
@@ -2010,7 +2010,7 @@
             <a:fld id="{9860EDB8-5305-433F-BE41-D7A86D811DB3}" type="slidenum">
               <a:rPr lang="en-US" smtClean="0"/>
               <a:pPr/>
-              <a:t>‹#›</a:t>
+              <a:t>‹N›</a:t>
             </a:fld>
             <a:endParaRPr lang="en-US" dirty="0"/>
           </a:p>
@@ -2371,6 +2371,16 @@
 <file path=ppt/slides/slide1.xml><?xml version="1.0" encoding="utf-8"?>
 <p:sld xmlns:a="http://schemas.openxmlformats.org/drawingml/2006/main" xmlns:r="http://schemas.openxmlformats.org/officeDocument/2006/relationships" xmlns:p="http://schemas.openxmlformats.org/presentationml/2006/main">
   <p:cSld>
+    <p:bg>
+      <p:bgPr>
+        <a:solidFill>
+          <a:schemeClr val="accent1">
+            <a:alpha val="0"/>
+          </a:schemeClr>
+        </a:solidFill>
+        <a:effectLst/>
+      </p:bgPr>
+    </p:bg>
     <p:spTree>
       <p:nvGrpSpPr>
         <p:cNvPr id="1" name=""/>
@@ -2455,7 +2465,7 @@
                 </a:solidFill>
                 <a:latin typeface="+mj-lt"/>
               </a:rPr>
-              <a:t>An Android app for food delivering</a:t>
+              <a:t>Android food delivery APP</a:t>
             </a:r>
           </a:p>
         </p:txBody>
@@ -2474,8 +2484,8 @@
         </p:nvSpPr>
         <p:spPr>
           <a:xfrm>
-            <a:off x="7865706" y="4070898"/>
-            <a:ext cx="3844212" cy="2031325"/>
+            <a:off x="7882484" y="3970230"/>
+            <a:ext cx="3844212" cy="2308324"/>
           </a:xfrm>
           <a:prstGeom prst="rect">
             <a:avLst/>
@@ -2513,11 +2523,23 @@
               </a:rPr>
               <a:t>Group 14</a:t>
             </a:r>
-            <a:endParaRPr lang="it-IT" dirty="0">
-              <a:solidFill>
-                <a:schemeClr val="bg1"/>
-              </a:solidFill>
-            </a:endParaRPr>
+          </a:p>
+          <a:p>
+            <a:br>
+              <a:rPr lang="en-GB" dirty="0">
+                <a:solidFill>
+                  <a:schemeClr val="bg1"/>
+                </a:solidFill>
+              </a:rPr>
+            </a:br>
+            <a:r>
+              <a:rPr lang="it-IT" dirty="0">
+                <a:solidFill>
+                  <a:schemeClr val="bg1"/>
+                </a:solidFill>
+              </a:rPr>
+              <a:t>Carlo Negri</a:t>
+            </a:r>
           </a:p>
           <a:p>
             <a:r>
@@ -2547,16 +2569,6 @@
                 </a:solidFill>
               </a:rPr>
               <a:t>Marco Longo</a:t>
-            </a:r>
-          </a:p>
-          <a:p>
-            <a:r>
-              <a:rPr lang="it-IT" dirty="0">
-                <a:solidFill>
-                  <a:schemeClr val="bg1"/>
-                </a:solidFill>
-              </a:rPr>
-              <a:t>Carlo Negri</a:t>
             </a:r>
           </a:p>
         </p:txBody>
@@ -2677,7 +2689,7 @@
                 <a:latin typeface="Segoe UI Light" panose="020B0502040204020203" pitchFamily="34" charset="0"/>
                 <a:cs typeface="Segoe UI Light" panose="020B0502040204020203" pitchFamily="34" charset="0"/>
               </a:rPr>
-              <a:t>Sign Up and Login</a:t>
+              <a:t>Login and Sign Up</a:t>
             </a:r>
           </a:p>
         </p:txBody>
@@ -2917,7 +2929,7 @@
                 <a:latin typeface="Segoe UI" panose="020B0502040204020203" pitchFamily="34" charset="0"/>
                 <a:cs typeface="Segoe UI" panose="020B0502040204020203" pitchFamily="34" charset="0"/>
               </a:rPr>
-              <a:t> is an android app to manage all processes about food delivering</a:t>
+              <a:t> is an android APP to manage all processes about food delivering.</a:t>
             </a:r>
           </a:p>
           <a:p>
@@ -2939,7 +2951,7 @@
                 <a:latin typeface="Segoe UI" panose="020B0502040204020203" pitchFamily="34" charset="0"/>
                 <a:cs typeface="Segoe UI" panose="020B0502040204020203" pitchFamily="34" charset="0"/>
               </a:rPr>
-              <a:t>The app is designed for 3 different users</a:t>
+              <a:t>The app is designed for 3 different kind of users</a:t>
             </a:r>
             <a:r>
               <a:rPr lang="it-IT" sz="1400" dirty="0">
@@ -3115,7 +3127,7 @@
                 <a:latin typeface="Segoe UI" panose="020B0502040204020203" pitchFamily="34" charset="0"/>
                 <a:cs typeface="Segoe UI" panose="020B0502040204020203" pitchFamily="34" charset="0"/>
               </a:rPr>
-              <a:t>needs</a:t>
+              <a:t>need</a:t>
             </a:r>
             <a:r>
               <a:rPr lang="it-IT" sz="1400" dirty="0">
@@ -3154,7 +3166,7 @@
                 <a:latin typeface="Segoe UI" panose="020B0502040204020203" pitchFamily="34" charset="0"/>
                 <a:cs typeface="Segoe UI" panose="020B0502040204020203" pitchFamily="34" charset="0"/>
               </a:rPr>
-              <a:t> up to and to </a:t>
+              <a:t> up by filling the </a:t>
             </a:r>
             <a:r>
               <a:rPr lang="it-IT" sz="1400" dirty="0" err="1">
@@ -3167,7 +3179,68 @@
                 <a:latin typeface="Segoe UI" panose="020B0502040204020203" pitchFamily="34" charset="0"/>
                 <a:cs typeface="Segoe UI" panose="020B0502040204020203" pitchFamily="34" charset="0"/>
               </a:rPr>
-              <a:t>fill</a:t>
+              <a:t>displayed</a:t>
+            </a:r>
+            <a:r>
+              <a:rPr lang="it-IT" sz="1400" dirty="0">
+                <a:solidFill>
+                  <a:prstClr val="black">
+                    <a:lumMod val="75000"/>
+                    <a:lumOff val="25000"/>
+                  </a:prstClr>
+                </a:solidFill>
+                <a:latin typeface="Segoe UI" panose="020B0502040204020203" pitchFamily="34" charset="0"/>
+                <a:cs typeface="Segoe UI" panose="020B0502040204020203" pitchFamily="34" charset="0"/>
+              </a:rPr>
+              <a:t> </a:t>
+            </a:r>
+            <a:r>
+              <a:rPr lang="it-IT" sz="1400" dirty="0" err="1">
+                <a:solidFill>
+                  <a:prstClr val="black">
+                    <a:lumMod val="75000"/>
+                    <a:lumOff val="25000"/>
+                  </a:prstClr>
+                </a:solidFill>
+                <a:latin typeface="Segoe UI" panose="020B0502040204020203" pitchFamily="34" charset="0"/>
+                <a:cs typeface="Segoe UI" panose="020B0502040204020203" pitchFamily="34" charset="0"/>
+              </a:rPr>
+              <a:t>form</a:t>
+            </a:r>
+            <a:r>
+              <a:rPr lang="it-IT" sz="1400" dirty="0">
+                <a:solidFill>
+                  <a:prstClr val="black">
+                    <a:lumMod val="75000"/>
+                    <a:lumOff val="25000"/>
+                  </a:prstClr>
+                </a:solidFill>
+                <a:latin typeface="Segoe UI" panose="020B0502040204020203" pitchFamily="34" charset="0"/>
+                <a:cs typeface="Segoe UI" panose="020B0502040204020203" pitchFamily="34" charset="0"/>
+              </a:rPr>
+              <a:t>. </a:t>
+            </a:r>
+          </a:p>
+          <a:p>
+            <a:pPr marL="0" lvl="0" indent="0" algn="just">
+              <a:spcAft>
+                <a:spcPts val="600"/>
+              </a:spcAft>
+              <a:buNone/>
+              <a:defRPr/>
+            </a:pPr>
+            <a:r>
+              <a:rPr lang="it-IT" sz="1400" dirty="0" err="1">
+                <a:solidFill>
+                  <a:prstClr val="black">
+                    <a:lumMod val="75000"/>
+                    <a:lumOff val="25000"/>
+                  </a:prstClr>
+                </a:solidFill>
+                <a:latin typeface="Segoe UI" panose="020B0502040204020203" pitchFamily="34" charset="0"/>
+                <a:cs typeface="Segoe UI" panose="020B0502040204020203" pitchFamily="34" charset="0"/>
+              </a:rPr>
+              <a:t>When</a:t>
             </a:r>
             <a:r>
               <a:rPr lang="it-IT" sz="1400" dirty="0">
@@ -3193,7 +3266,7 @@
                 <a:latin typeface="Segoe UI" panose="020B0502040204020203" pitchFamily="34" charset="0"/>
                 <a:cs typeface="Segoe UI" panose="020B0502040204020203" pitchFamily="34" charset="0"/>
               </a:rPr>
-              <a:t>displayed</a:t>
+              <a:t>confirm</a:t>
             </a:r>
             <a:r>
               <a:rPr lang="it-IT" sz="1400" dirty="0">
@@ -3219,68 +3292,7 @@
                 <a:latin typeface="Segoe UI" panose="020B0502040204020203" pitchFamily="34" charset="0"/>
                 <a:cs typeface="Segoe UI" panose="020B0502040204020203" pitchFamily="34" charset="0"/>
               </a:rPr>
-              <a:t>form</a:t>
-            </a:r>
-            <a:r>
-              <a:rPr lang="it-IT" sz="1400" dirty="0">
-                <a:solidFill>
-                  <a:prstClr val="black">
-                    <a:lumMod val="75000"/>
-                    <a:lumOff val="25000"/>
-                  </a:prstClr>
-                </a:solidFill>
-                <a:latin typeface="Segoe UI" panose="020B0502040204020203" pitchFamily="34" charset="0"/>
-                <a:cs typeface="Segoe UI" panose="020B0502040204020203" pitchFamily="34" charset="0"/>
-              </a:rPr>
-              <a:t>. </a:t>
-            </a:r>
-          </a:p>
-          <a:p>
-            <a:pPr marL="0" lvl="0" indent="0" algn="just">
-              <a:spcAft>
-                <a:spcPts val="600"/>
-              </a:spcAft>
-              <a:buNone/>
-              <a:defRPr/>
-            </a:pPr>
-            <a:r>
-              <a:rPr lang="it-IT" sz="1400" dirty="0" err="1">
-                <a:solidFill>
-                  <a:prstClr val="black">
-                    <a:lumMod val="75000"/>
-                    <a:lumOff val="25000"/>
-                  </a:prstClr>
-                </a:solidFill>
-                <a:latin typeface="Segoe UI" panose="020B0502040204020203" pitchFamily="34" charset="0"/>
-                <a:cs typeface="Segoe UI" panose="020B0502040204020203" pitchFamily="34" charset="0"/>
-              </a:rPr>
-              <a:t>When</a:t>
-            </a:r>
-            <a:r>
-              <a:rPr lang="it-IT" sz="1400" dirty="0">
-                <a:solidFill>
-                  <a:prstClr val="black">
-                    <a:lumMod val="75000"/>
-                    <a:lumOff val="25000"/>
-                  </a:prstClr>
-                </a:solidFill>
-                <a:latin typeface="Segoe UI" panose="020B0502040204020203" pitchFamily="34" charset="0"/>
-                <a:cs typeface="Segoe UI" panose="020B0502040204020203" pitchFamily="34" charset="0"/>
-              </a:rPr>
-              <a:t> the </a:t>
-            </a:r>
-            <a:r>
-              <a:rPr lang="it-IT" sz="1400" dirty="0" err="1">
-                <a:solidFill>
-                  <a:prstClr val="black">
-                    <a:lumMod val="75000"/>
-                    <a:lumOff val="25000"/>
-                  </a:prstClr>
-                </a:solidFill>
-                <a:latin typeface="Segoe UI" panose="020B0502040204020203" pitchFamily="34" charset="0"/>
-                <a:cs typeface="Segoe UI" panose="020B0502040204020203" pitchFamily="34" charset="0"/>
-              </a:rPr>
-              <a:t>confirm</a:t>
+              <a:t>button</a:t>
             </a:r>
             <a:r>
               <a:rPr lang="it-IT" sz="1400" dirty="0">
@@ -3306,7 +3318,7 @@
                 <a:latin typeface="Segoe UI" panose="020B0502040204020203" pitchFamily="34" charset="0"/>
                 <a:cs typeface="Segoe UI" panose="020B0502040204020203" pitchFamily="34" charset="0"/>
               </a:rPr>
-              <a:t>button</a:t>
+              <a:t>is</a:t>
             </a:r>
             <a:r>
               <a:rPr lang="it-IT" sz="1400" dirty="0">
@@ -3332,32 +3344,6 @@
                 <a:latin typeface="Segoe UI" panose="020B0502040204020203" pitchFamily="34" charset="0"/>
                 <a:cs typeface="Segoe UI" panose="020B0502040204020203" pitchFamily="34" charset="0"/>
               </a:rPr>
-              <a:t>is</a:t>
-            </a:r>
-            <a:r>
-              <a:rPr lang="it-IT" sz="1400" dirty="0">
-                <a:solidFill>
-                  <a:prstClr val="black">
-                    <a:lumMod val="75000"/>
-                    <a:lumOff val="25000"/>
-                  </a:prstClr>
-                </a:solidFill>
-                <a:latin typeface="Segoe UI" panose="020B0502040204020203" pitchFamily="34" charset="0"/>
-                <a:cs typeface="Segoe UI" panose="020B0502040204020203" pitchFamily="34" charset="0"/>
-              </a:rPr>
-              <a:t> </a:t>
-            </a:r>
-            <a:r>
-              <a:rPr lang="it-IT" sz="1400" dirty="0" err="1">
-                <a:solidFill>
-                  <a:prstClr val="black">
-                    <a:lumMod val="75000"/>
-                    <a:lumOff val="25000"/>
-                  </a:prstClr>
-                </a:solidFill>
-                <a:latin typeface="Segoe UI" panose="020B0502040204020203" pitchFamily="34" charset="0"/>
-                <a:cs typeface="Segoe UI" panose="020B0502040204020203" pitchFamily="34" charset="0"/>
-              </a:rPr>
               <a:t>pressed</a:t>
             </a:r>
             <a:r>
@@ -3384,7 +3370,7 @@
                 <a:latin typeface="Segoe UI" panose="020B0502040204020203" pitchFamily="34" charset="0"/>
                 <a:cs typeface="Segoe UI" panose="020B0502040204020203" pitchFamily="34" charset="0"/>
               </a:rPr>
-              <a:t>saved</a:t>
+              <a:t>stored</a:t>
             </a:r>
             <a:r>
               <a:rPr lang="it-IT" sz="1400" dirty="0">
@@ -4570,7 +4556,7 @@
                 <a:latin typeface="Segoe UI" panose="020B0502040204020203" pitchFamily="34" charset="0"/>
                 <a:cs typeface="Segoe UI" panose="020B0502040204020203" pitchFamily="34" charset="0"/>
               </a:rPr>
-              <a:t>The user can select a filter criteria for research based on </a:t>
+              <a:t>In order to search a restaurant the user can select different filter criteria based on </a:t>
             </a:r>
             <a:r>
               <a:rPr lang="en-US" sz="1400" b="1" dirty="0" err="1">
@@ -4584,6 +4570,19 @@
                 <a:cs typeface="Segoe UI" panose="020B0502040204020203" pitchFamily="34" charset="0"/>
               </a:rPr>
               <a:t>Favourites</a:t>
+            </a:r>
+            <a:r>
+              <a:rPr lang="en-US" sz="1400" b="1" dirty="0">
+                <a:solidFill>
+                  <a:prstClr val="black">
+                    <a:lumMod val="75000"/>
+                    <a:lumOff val="25000"/>
+                  </a:prstClr>
+                </a:solidFill>
+                <a:latin typeface="Segoe UI" panose="020B0502040204020203" pitchFamily="34" charset="0"/>
+                <a:cs typeface="Segoe UI" panose="020B0502040204020203" pitchFamily="34" charset="0"/>
+              </a:rPr>
+              <a:t> Restaurants</a:t>
             </a:r>
             <a:r>
               <a:rPr lang="en-US" sz="1400" dirty="0">
@@ -4985,7 +4984,7 @@
                 </a:solidFill>
                 <a:cs typeface="Segoe UI"/>
               </a:rPr>
-              <a:t>It’s not allowed to order in a closed Restaurant.</a:t>
+              <a:t>It is not allowed to order in a closed Restaurant.</a:t>
             </a:r>
           </a:p>
         </p:txBody>
@@ -5240,7 +5239,33 @@
                 <a:latin typeface="Segoe UI" panose="020B0502040204020203" pitchFamily="34" charset="0"/>
                 <a:cs typeface="Segoe UI" panose="020B0502040204020203" pitchFamily="34" charset="0"/>
               </a:rPr>
-              <a:t>The user can select desired quantity of dishes to be ordered and then confirm it selecting the delivering time.</a:t>
+              <a:t>The user can select the desired quantity of dishes to be ordered and then confirm the order by selecting the </a:t>
+            </a:r>
+            <a:r>
+              <a:rPr lang="en-US" sz="1400" dirty="0" err="1">
+                <a:solidFill>
+                  <a:prstClr val="black">
+                    <a:lumMod val="75000"/>
+                    <a:lumOff val="25000"/>
+                  </a:prstClr>
+                </a:solidFill>
+                <a:latin typeface="Segoe UI" panose="020B0502040204020203" pitchFamily="34" charset="0"/>
+                <a:cs typeface="Segoe UI" panose="020B0502040204020203" pitchFamily="34" charset="0"/>
+              </a:rPr>
+              <a:t>desidered</a:t>
+            </a:r>
+            <a:r>
+              <a:rPr lang="en-US" sz="1400" dirty="0">
+                <a:solidFill>
+                  <a:prstClr val="black">
+                    <a:lumMod val="75000"/>
+                    <a:lumOff val="25000"/>
+                  </a:prstClr>
+                </a:solidFill>
+                <a:latin typeface="Segoe UI" panose="020B0502040204020203" pitchFamily="34" charset="0"/>
+                <a:cs typeface="Segoe UI" panose="020B0502040204020203" pitchFamily="34" charset="0"/>
+              </a:rPr>
+              <a:t> delivering time.</a:t>
             </a:r>
           </a:p>
           <a:p>
@@ -5291,7 +5316,7 @@
                 <a:latin typeface="Segoe UI" panose="020B0502040204020203" pitchFamily="34" charset="0"/>
                 <a:cs typeface="Segoe UI" panose="020B0502040204020203" pitchFamily="34" charset="0"/>
               </a:rPr>
-              <a:t>The ‘order’ and ‘review’ fragments are managed by means of a Page Adapter. </a:t>
+              <a:t>The ‘order’ and ‘review’ fragments are managed by a Page Adapter. </a:t>
             </a:r>
           </a:p>
           <a:p>
@@ -6098,6 +6123,26 @@
           <a:p>
             <a:pPr algn="just">
               <a:spcAft>
+                <a:spcPts val="600"/>
+              </a:spcAft>
+            </a:pPr>
+            <a:r>
+              <a:rPr lang="en-US" sz="1400" b="1" dirty="0">
+                <a:solidFill>
+                  <a:prstClr val="black">
+                    <a:lumMod val="75000"/>
+                    <a:lumOff val="25000"/>
+                  </a:prstClr>
+                </a:solidFill>
+                <a:latin typeface="Segoe UI" panose="020B0502040204020203" pitchFamily="34" charset="0"/>
+                <a:cs typeface="Segoe UI" panose="020B0502040204020203" pitchFamily="34" charset="0"/>
+              </a:rPr>
+              <a:t>Order Delivering</a:t>
+            </a:r>
+          </a:p>
+          <a:p>
+            <a:pPr algn="just">
+              <a:spcAft>
                 <a:spcPts val="2000"/>
               </a:spcAft>
             </a:pPr>
@@ -6856,7 +6901,7 @@
                 <a:latin typeface="Segoe UI" panose="020B0502040204020203" pitchFamily="34" charset="0"/>
                 <a:cs typeface="Segoe UI" panose="020B0502040204020203" pitchFamily="34" charset="0"/>
               </a:rPr>
-              <a:t>The Profile Fragment includes also a rating section which includes all the reviews given for the related restaurant.</a:t>
+              <a:t>The Profile Fragment includes also a rating section which includes all the reviews given by users.</a:t>
             </a:r>
           </a:p>
         </p:txBody>
@@ -7034,7 +7079,7 @@
                 <a:latin typeface="Segoe UI Light" panose="020B0502040204020203" pitchFamily="34" charset="0"/>
                 <a:cs typeface="Segoe UI Light" panose="020B0502040204020203" pitchFamily="34" charset="0"/>
               </a:rPr>
-              <a:t>Adding new item to Daily Offer menu</a:t>
+              <a:t>Adding new dish to Daily Offer menu</a:t>
             </a:r>
           </a:p>
         </p:txBody>
@@ -7266,7 +7311,7 @@
                 <a:latin typeface="Segoe UI" panose="020B0502040204020203" pitchFamily="34" charset="0"/>
                 <a:cs typeface="Segoe UI" panose="020B0502040204020203" pitchFamily="34" charset="0"/>
               </a:rPr>
-              <a:t>Adding operation is done on a dedicated Activity where the user inserts all the info related to the dish. Once the confirm button is pressed the new item is </a:t>
+              <a:t>Restaurateur can add a new dish by filling all the related info. Once the confirm button is pressed the new dish is </a:t>
             </a:r>
             <a:r>
               <a:rPr lang="en-US" sz="1400" dirty="0" err="1">
@@ -7280,7 +7325,7 @@
                 <a:latin typeface="Segoe UI" panose="020B0502040204020203" pitchFamily="34" charset="0"/>
                 <a:cs typeface="Segoe UI" panose="020B0502040204020203" pitchFamily="34" charset="0"/>
               </a:rPr>
-              <a:t> with </a:t>
+              <a:t> with a </a:t>
             </a:r>
             <a:r>
               <a:rPr lang="en-US" sz="1400" dirty="0" err="1">
@@ -7309,7 +7354,7 @@
                 <a:latin typeface="Segoe UI" panose="020B0502040204020203" pitchFamily="34" charset="0"/>
                 <a:cs typeface="Segoe UI" panose="020B0502040204020203" pitchFamily="34" charset="0"/>
               </a:rPr>
-              <a:t>Every item can be updated or removed from the list by means of two dedicated buttons.</a:t>
+              <a:t>Every item can be updated or removed from the list through two dedicated buttons.</a:t>
             </a:r>
           </a:p>
         </p:txBody>
@@ -7502,7 +7547,7 @@
         </p:nvGrpSpPr>
         <p:grpSpPr bwMode="blackWhite">
           <a:xfrm>
-            <a:off x="405830" y="5479482"/>
+            <a:off x="410361" y="5483373"/>
             <a:ext cx="558179" cy="409838"/>
             <a:chOff x="6953426" y="711274"/>
             <a:chExt cx="558179" cy="409838"/>
@@ -7832,7 +7877,7 @@
                 <a:latin typeface="Segoe UI" panose="020B0502040204020203" pitchFamily="34" charset="0"/>
                 <a:cs typeface="Segoe UI" panose="020B0502040204020203" pitchFamily="34" charset="0"/>
               </a:rPr>
-              <a:t>Restaurateur receives order by means of notification on the </a:t>
+              <a:t>Restaurateur receives the order with a related notification on the </a:t>
             </a:r>
             <a:r>
               <a:rPr lang="en-US" dirty="0" err="1">
@@ -7868,7 +7913,7 @@
         </p:nvGrpSpPr>
         <p:grpSpPr bwMode="blackWhite">
           <a:xfrm>
-            <a:off x="3855086" y="5475519"/>
+            <a:off x="3934351" y="5467083"/>
             <a:ext cx="558179" cy="409838"/>
             <a:chOff x="6953426" y="711274"/>
             <a:chExt cx="558179" cy="409838"/>
@@ -7969,7 +8014,7 @@
         </p:nvSpPr>
         <p:spPr>
           <a:xfrm>
-            <a:off x="4351363" y="5466446"/>
+            <a:off x="4459515" y="5448303"/>
             <a:ext cx="3504072" cy="640080"/>
           </a:xfrm>
           <a:prstGeom prst="rect">
@@ -8189,7 +8234,33 @@
                 <a:latin typeface="Segoe UI" panose="020B0502040204020203" pitchFamily="34" charset="0"/>
                 <a:cs typeface="Segoe UI" panose="020B0502040204020203" pitchFamily="34" charset="0"/>
               </a:rPr>
-              <a:t>The user can select the rider by on him on the map. </a:t>
+              <a:t>The user can select the </a:t>
+            </a:r>
+            <a:r>
+              <a:rPr lang="en-US" dirty="0" err="1">
+                <a:solidFill>
+                  <a:prstClr val="black">
+                    <a:lumMod val="75000"/>
+                    <a:lumOff val="25000"/>
+                  </a:prstClr>
+                </a:solidFill>
+                <a:latin typeface="Segoe UI" panose="020B0502040204020203" pitchFamily="34" charset="0"/>
+                <a:cs typeface="Segoe UI" panose="020B0502040204020203" pitchFamily="34" charset="0"/>
+              </a:rPr>
+              <a:t>desidered</a:t>
+            </a:r>
+            <a:r>
+              <a:rPr lang="en-US" dirty="0">
+                <a:solidFill>
+                  <a:prstClr val="black">
+                    <a:lumMod val="75000"/>
+                    <a:lumOff val="25000"/>
+                  </a:prstClr>
+                </a:solidFill>
+                <a:latin typeface="Segoe UI" panose="020B0502040204020203" pitchFamily="34" charset="0"/>
+                <a:cs typeface="Segoe UI" panose="020B0502040204020203" pitchFamily="34" charset="0"/>
+              </a:rPr>
+              <a:t> rider by clicking on him.</a:t>
             </a:r>
           </a:p>
         </p:txBody>
@@ -8202,7 +8273,7 @@
         </p:nvGrpSpPr>
         <p:grpSpPr bwMode="blackWhite">
           <a:xfrm>
-            <a:off x="8275381" y="5430602"/>
+            <a:off x="8263533" y="5487811"/>
             <a:ext cx="558179" cy="409838"/>
             <a:chOff x="6953426" y="711274"/>
             <a:chExt cx="558179" cy="409838"/>
@@ -8526,7 +8597,7 @@
                 <a:latin typeface="Segoe UI" panose="020B0502040204020203" pitchFamily="34" charset="0"/>
                 <a:cs typeface="Segoe UI" panose="020B0502040204020203" pitchFamily="34" charset="0"/>
               </a:rPr>
-              <a:t>In alternative way by list of riders or choosing automatically the nearest one </a:t>
+              <a:t>In alternative way by a list of riders or choosing automatically the nearest one.</a:t>
             </a:r>
           </a:p>
         </p:txBody>
@@ -8766,7 +8837,7 @@
         </p:blipFill>
         <p:spPr>
           <a:xfrm>
-            <a:off x="8822993" y="1914337"/>
+            <a:off x="7398326" y="1786815"/>
             <a:ext cx="2336238" cy="4181023"/>
           </a:xfrm>
           <a:prstGeom prst="rect">
@@ -9944,20 +10015,20 @@
 </file>
 
 <file path=customXml/item2.xml><?xml version="1.0" encoding="utf-8"?>
+<p:properties xmlns:p="http://schemas.microsoft.com/office/2006/metadata/properties" xmlns:xsi="http://www.w3.org/2001/XMLSchema-instance" xmlns:pc="http://schemas.microsoft.com/office/infopath/2007/PartnerControls">
+  <documentManagement>
+    <MediaServiceKeyPoints xmlns="71af3243-3dd4-4a8d-8c0d-dd76da1f02a5" xsi:nil="true"/>
+  </documentManagement>
+</p:properties>
+</file>
+
+<file path=customXml/item3.xml><?xml version="1.0" encoding="utf-8"?>
 <?mso-contentType ?>
 <FormTemplates xmlns="http://schemas.microsoft.com/sharepoint/v3/contenttype/forms">
   <Display>DocumentLibraryForm</Display>
   <Edit>DocumentLibraryForm</Edit>
   <New>DocumentLibraryForm</New>
 </FormTemplates>
-</file>
-
-<file path=customXml/item3.xml><?xml version="1.0" encoding="utf-8"?>
-<p:properties xmlns:p="http://schemas.microsoft.com/office/2006/metadata/properties" xmlns:xsi="http://www.w3.org/2001/XMLSchema-instance" xmlns:pc="http://schemas.microsoft.com/office/infopath/2007/PartnerControls">
-  <documentManagement>
-    <MediaServiceKeyPoints xmlns="71af3243-3dd4-4a8d-8c0d-dd76da1f02a5" xsi:nil="true"/>
-  </documentManagement>
-</p:properties>
 </file>
 
 <file path=customXml/itemProps1.xml><?xml version="1.0" encoding="utf-8"?>
@@ -9980,26 +10051,26 @@
 </file>
 
 <file path=customXml/itemProps2.xml><?xml version="1.0" encoding="utf-8"?>
+<ds:datastoreItem xmlns:ds="http://schemas.openxmlformats.org/officeDocument/2006/customXml" ds:itemID="{7BED6A94-6CEC-4690-B5D0-3E831BCC769C}">
+  <ds:schemaRefs>
+    <ds:schemaRef ds:uri="http://purl.org/dc/terms/"/>
+    <ds:schemaRef ds:uri="http://schemas.openxmlformats.org/package/2006/metadata/core-properties"/>
+    <ds:schemaRef ds:uri="16c05727-aa75-4e4a-9b5f-8a80a1165891"/>
+    <ds:schemaRef ds:uri="http://purl.org/dc/dcmitype/"/>
+    <ds:schemaRef ds:uri="http://schemas.microsoft.com/office/infopath/2007/PartnerControls"/>
+    <ds:schemaRef ds:uri="http://schemas.microsoft.com/office/2006/documentManagement/types"/>
+    <ds:schemaRef ds:uri="http://purl.org/dc/elements/1.1/"/>
+    <ds:schemaRef ds:uri="http://schemas.microsoft.com/office/2006/metadata/properties"/>
+    <ds:schemaRef ds:uri="71af3243-3dd4-4a8d-8c0d-dd76da1f02a5"/>
+    <ds:schemaRef ds:uri="http://www.w3.org/XML/1998/namespace"/>
+  </ds:schemaRefs>
+</ds:datastoreItem>
+</file>
+
+<file path=customXml/itemProps3.xml><?xml version="1.0" encoding="utf-8"?>
 <ds:datastoreItem xmlns:ds="http://schemas.openxmlformats.org/officeDocument/2006/customXml" ds:itemID="{A68F36FF-D6F8-4F25-B1D6-7893F2294B63}">
   <ds:schemaRefs>
     <ds:schemaRef ds:uri="http://schemas.microsoft.com/sharepoint/v3/contenttype/forms"/>
   </ds:schemaRefs>
 </ds:datastoreItem>
-</file>
-
-<file path=customXml/itemProps3.xml><?xml version="1.0" encoding="utf-8"?>
-<ds:datastoreItem xmlns:ds="http://schemas.openxmlformats.org/officeDocument/2006/customXml" ds:itemID="{7BED6A94-6CEC-4690-B5D0-3E831BCC769C}">
-  <ds:schemaRefs>
-    <ds:schemaRef ds:uri="http://www.w3.org/XML/1998/namespace"/>
-    <ds:schemaRef ds:uri="http://schemas.microsoft.com/office/2006/documentManagement/types"/>
-    <ds:schemaRef ds:uri="http://purl.org/dc/elements/1.1/"/>
-    <ds:schemaRef ds:uri="http://schemas.microsoft.com/office/infopath/2007/PartnerControls"/>
-    <ds:schemaRef ds:uri="http://purl.org/dc/terms/"/>
-    <ds:schemaRef ds:uri="16c05727-aa75-4e4a-9b5f-8a80a1165891"/>
-    <ds:schemaRef ds:uri="http://schemas.microsoft.com/office/2006/metadata/properties"/>
-    <ds:schemaRef ds:uri="http://schemas.openxmlformats.org/package/2006/metadata/core-properties"/>
-    <ds:schemaRef ds:uri="71af3243-3dd4-4a8d-8c0d-dd76da1f02a5"/>
-    <ds:schemaRef ds:uri="http://purl.org/dc/dcmitype/"/>
-  </ds:schemaRefs>
-</ds:datastoreItem>
 </file>
--- a/APPetit Presentation.pptx
+++ b/APPetit Presentation.pptx
@@ -254,7 +254,7 @@
           <a:p>
             <a:fld id="{80680FBE-A8DF-4758-9AC4-3A9E1039168F}" type="datetimeFigureOut">
               <a:rPr lang="en-US" smtClean="0"/>
-              <a:t>6/9/2019</a:t>
+              <a:t>6/10/2019</a:t>
             </a:fld>
             <a:endParaRPr lang="en-US" dirty="0"/>
           </a:p>
@@ -419,7 +419,7 @@
           <a:p>
             <a:fld id="{EC13577B-6902-467D-A26C-08A0DD5E4E03}" type="datetimeFigureOut">
               <a:rPr lang="en-US" smtClean="0"/>
-              <a:t>6/9/2019</a:t>
+              <a:t>6/10/2019</a:t>
             </a:fld>
             <a:endParaRPr lang="en-US" dirty="0"/>
           </a:p>
@@ -1303,7 +1303,7 @@
             <a:fld id="{8BEEBAAA-29B5-4AF5-BC5F-7E580C29002D}" type="datetimeFigureOut">
               <a:rPr lang="en-US" smtClean="0"/>
               <a:pPr/>
-              <a:t>6/9/2019</a:t>
+              <a:t>6/10/2019</a:t>
             </a:fld>
             <a:endParaRPr lang="en-US" dirty="0"/>
           </a:p>
@@ -1929,7 +1929,7 @@
             <a:fld id="{8BEEBAAA-29B5-4AF5-BC5F-7E580C29002D}" type="datetimeFigureOut">
               <a:rPr lang="en-US" smtClean="0"/>
               <a:pPr/>
-              <a:t>6/9/2019</a:t>
+              <a:t>6/10/2019</a:t>
             </a:fld>
             <a:endParaRPr lang="en-US" dirty="0"/>
           </a:p>
@@ -8954,6 +8954,42 @@
           </a:p>
         </p:txBody>
       </p:sp>
+      <p:pic>
+        <p:nvPicPr>
+          <p:cNvPr id="6" name="Picture 5" descr="A screenshot of a cell phone&#10;&#10;Description automatically generated">
+            <a:extLst>
+              <a:ext uri="{FF2B5EF4-FFF2-40B4-BE49-F238E27FC236}">
+                <a16:creationId xmlns:a16="http://schemas.microsoft.com/office/drawing/2014/main" id="{5E186699-CFAE-4893-B17C-DEA9555D51B1}"/>
+              </a:ext>
+            </a:extLst>
+          </p:cNvPr>
+          <p:cNvPicPr>
+            <a:picLocks noChangeAspect="1"/>
+          </p:cNvPicPr>
+          <p:nvPr/>
+        </p:nvPicPr>
+        <p:blipFill>
+          <a:blip r:embed="rId3" cstate="print">
+            <a:extLst>
+              <a:ext uri="{28A0092B-C50C-407E-A947-70E740481C1C}">
+                <a14:useLocalDpi xmlns:a14="http://schemas.microsoft.com/office/drawing/2010/main" val="0"/>
+              </a:ext>
+            </a:extLst>
+          </a:blip>
+          <a:stretch>
+            <a:fillRect/>
+          </a:stretch>
+        </p:blipFill>
+        <p:spPr>
+          <a:xfrm>
+            <a:off x="5804617" y="1914337"/>
+            <a:ext cx="2336225" cy="4193413"/>
+          </a:xfrm>
+          <a:prstGeom prst="rect">
+            <a:avLst/>
+          </a:prstGeom>
+        </p:spPr>
+      </p:pic>
     </p:spTree>
     <p:extLst>
       <p:ext uri="{BB962C8B-B14F-4D97-AF65-F5344CB8AC3E}">
@@ -9944,20 +9980,20 @@
 </file>
 
 <file path=customXml/item2.xml><?xml version="1.0" encoding="utf-8"?>
+<p:properties xmlns:p="http://schemas.microsoft.com/office/2006/metadata/properties" xmlns:xsi="http://www.w3.org/2001/XMLSchema-instance" xmlns:pc="http://schemas.microsoft.com/office/infopath/2007/PartnerControls">
+  <documentManagement>
+    <MediaServiceKeyPoints xmlns="71af3243-3dd4-4a8d-8c0d-dd76da1f02a5" xsi:nil="true"/>
+  </documentManagement>
+</p:properties>
+</file>
+
+<file path=customXml/item3.xml><?xml version="1.0" encoding="utf-8"?>
 <?mso-contentType ?>
 <FormTemplates xmlns="http://schemas.microsoft.com/sharepoint/v3/contenttype/forms">
   <Display>DocumentLibraryForm</Display>
   <Edit>DocumentLibraryForm</Edit>
   <New>DocumentLibraryForm</New>
 </FormTemplates>
-</file>
-
-<file path=customXml/item3.xml><?xml version="1.0" encoding="utf-8"?>
-<p:properties xmlns:p="http://schemas.microsoft.com/office/2006/metadata/properties" xmlns:xsi="http://www.w3.org/2001/XMLSchema-instance" xmlns:pc="http://schemas.microsoft.com/office/infopath/2007/PartnerControls">
-  <documentManagement>
-    <MediaServiceKeyPoints xmlns="71af3243-3dd4-4a8d-8c0d-dd76da1f02a5" xsi:nil="true"/>
-  </documentManagement>
-</p:properties>
 </file>
 
 <file path=customXml/itemProps1.xml><?xml version="1.0" encoding="utf-8"?>
@@ -9980,26 +10016,26 @@
 </file>
 
 <file path=customXml/itemProps2.xml><?xml version="1.0" encoding="utf-8"?>
+<ds:datastoreItem xmlns:ds="http://schemas.openxmlformats.org/officeDocument/2006/customXml" ds:itemID="{7BED6A94-6CEC-4690-B5D0-3E831BCC769C}">
+  <ds:schemaRefs>
+    <ds:schemaRef ds:uri="http://schemas.openxmlformats.org/package/2006/metadata/core-properties"/>
+    <ds:schemaRef ds:uri="http://schemas.microsoft.com/office/infopath/2007/PartnerControls"/>
+    <ds:schemaRef ds:uri="http://purl.org/dc/terms/"/>
+    <ds:schemaRef ds:uri="http://purl.org/dc/elements/1.1/"/>
+    <ds:schemaRef ds:uri="http://schemas.microsoft.com/office/2006/documentManagement/types"/>
+    <ds:schemaRef ds:uri="16c05727-aa75-4e4a-9b5f-8a80a1165891"/>
+    <ds:schemaRef ds:uri="http://www.w3.org/XML/1998/namespace"/>
+    <ds:schemaRef ds:uri="71af3243-3dd4-4a8d-8c0d-dd76da1f02a5"/>
+    <ds:schemaRef ds:uri="http://schemas.microsoft.com/office/2006/metadata/properties"/>
+    <ds:schemaRef ds:uri="http://purl.org/dc/dcmitype/"/>
+  </ds:schemaRefs>
+</ds:datastoreItem>
+</file>
+
+<file path=customXml/itemProps3.xml><?xml version="1.0" encoding="utf-8"?>
 <ds:datastoreItem xmlns:ds="http://schemas.openxmlformats.org/officeDocument/2006/customXml" ds:itemID="{A68F36FF-D6F8-4F25-B1D6-7893F2294B63}">
   <ds:schemaRefs>
     <ds:schemaRef ds:uri="http://schemas.microsoft.com/sharepoint/v3/contenttype/forms"/>
   </ds:schemaRefs>
 </ds:datastoreItem>
-</file>
-
-<file path=customXml/itemProps3.xml><?xml version="1.0" encoding="utf-8"?>
-<ds:datastoreItem xmlns:ds="http://schemas.openxmlformats.org/officeDocument/2006/customXml" ds:itemID="{7BED6A94-6CEC-4690-B5D0-3E831BCC769C}">
-  <ds:schemaRefs>
-    <ds:schemaRef ds:uri="http://www.w3.org/XML/1998/namespace"/>
-    <ds:schemaRef ds:uri="http://schemas.microsoft.com/office/2006/documentManagement/types"/>
-    <ds:schemaRef ds:uri="http://purl.org/dc/elements/1.1/"/>
-    <ds:schemaRef ds:uri="http://schemas.microsoft.com/office/infopath/2007/PartnerControls"/>
-    <ds:schemaRef ds:uri="http://purl.org/dc/terms/"/>
-    <ds:schemaRef ds:uri="16c05727-aa75-4e4a-9b5f-8a80a1165891"/>
-    <ds:schemaRef ds:uri="http://schemas.microsoft.com/office/2006/metadata/properties"/>
-    <ds:schemaRef ds:uri="http://schemas.openxmlformats.org/package/2006/metadata/core-properties"/>
-    <ds:schemaRef ds:uri="71af3243-3dd4-4a8d-8c0d-dd76da1f02a5"/>
-    <ds:schemaRef ds:uri="http://purl.org/dc/dcmitype/"/>
-  </ds:schemaRefs>
-</ds:datastoreItem>
 </file>
--- a/APPetit Presentation.pptx
+++ b/APPetit Presentation.pptx
@@ -254,7 +254,7 @@
           <a:p>
             <a:fld id="{80680FBE-A8DF-4758-9AC4-3A9E1039168F}" type="datetimeFigureOut">
               <a:rPr lang="en-US" smtClean="0"/>
-              <a:t>6/9/2019</a:t>
+              <a:t>6/10/2019</a:t>
             </a:fld>
             <a:endParaRPr lang="en-US" dirty="0"/>
           </a:p>
@@ -419,7 +419,7 @@
           <a:p>
             <a:fld id="{EC13577B-6902-467D-A26C-08A0DD5E4E03}" type="datetimeFigureOut">
               <a:rPr lang="en-US" smtClean="0"/>
-              <a:t>6/9/2019</a:t>
+              <a:t>6/10/2019</a:t>
             </a:fld>
             <a:endParaRPr lang="en-US" dirty="0"/>
           </a:p>
@@ -1303,7 +1303,7 @@
             <a:fld id="{8BEEBAAA-29B5-4AF5-BC5F-7E580C29002D}" type="datetimeFigureOut">
               <a:rPr lang="en-US" smtClean="0"/>
               <a:pPr/>
-              <a:t>6/9/2019</a:t>
+              <a:t>6/10/2019</a:t>
             </a:fld>
             <a:endParaRPr lang="en-US" dirty="0"/>
           </a:p>
@@ -1929,7 +1929,7 @@
             <a:fld id="{8BEEBAAA-29B5-4AF5-BC5F-7E580C29002D}" type="datetimeFigureOut">
               <a:rPr lang="en-US" smtClean="0"/>
               <a:pPr/>
-              <a:t>6/9/2019</a:t>
+              <a:t>6/10/2019</a:t>
             </a:fld>
             <a:endParaRPr lang="en-US" dirty="0"/>
           </a:p>
@@ -2371,16 +2371,6 @@
 <file path=ppt/slides/slide1.xml><?xml version="1.0" encoding="utf-8"?>
 <p:sld xmlns:a="http://schemas.openxmlformats.org/drawingml/2006/main" xmlns:r="http://schemas.openxmlformats.org/officeDocument/2006/relationships" xmlns:p="http://schemas.openxmlformats.org/presentationml/2006/main">
   <p:cSld>
-    <p:bg>
-      <p:bgPr>
-        <a:solidFill>
-          <a:schemeClr val="accent1">
-            <a:alpha val="0"/>
-          </a:schemeClr>
-        </a:solidFill>
-        <a:effectLst/>
-      </p:bgPr>
-    </p:bg>
     <p:spTree>
       <p:nvGrpSpPr>
         <p:cNvPr id="1" name=""/>
@@ -2465,7 +2455,7 @@
                 </a:solidFill>
                 <a:latin typeface="+mj-lt"/>
               </a:rPr>
-              <a:t>Android food delivery APP</a:t>
+              <a:t>An Android app for food delivering</a:t>
             </a:r>
           </a:p>
         </p:txBody>
@@ -2484,8 +2474,8 @@
         </p:nvSpPr>
         <p:spPr>
           <a:xfrm>
-            <a:off x="7882484" y="3970230"/>
-            <a:ext cx="3844212" cy="2308324"/>
+            <a:off x="7865706" y="4070898"/>
+            <a:ext cx="3844212" cy="2031325"/>
           </a:xfrm>
           <a:prstGeom prst="rect">
             <a:avLst/>
@@ -2523,15 +2513,43 @@
               </a:rPr>
               <a:t>Group 14</a:t>
             </a:r>
-          </a:p>
-          <a:p>
-            <a:br>
-              <a:rPr lang="en-GB" dirty="0">
+            <a:endParaRPr lang="it-IT" dirty="0">
+              <a:solidFill>
+                <a:schemeClr val="bg1"/>
+              </a:solidFill>
+            </a:endParaRPr>
+          </a:p>
+          <a:p>
+            <a:r>
+              <a:rPr lang="it-IT" dirty="0">
                 <a:solidFill>
                   <a:schemeClr val="bg1"/>
                 </a:solidFill>
               </a:rPr>
-            </a:br>
+              <a:t>Davide Gallotti</a:t>
+            </a:r>
+          </a:p>
+          <a:p>
+            <a:r>
+              <a:rPr lang="it-IT" dirty="0">
+                <a:solidFill>
+                  <a:schemeClr val="bg1"/>
+                </a:solidFill>
+              </a:rPr>
+              <a:t>Federico Gianno</a:t>
+            </a:r>
+          </a:p>
+          <a:p>
+            <a:r>
+              <a:rPr lang="it-IT" dirty="0">
+                <a:solidFill>
+                  <a:schemeClr val="bg1"/>
+                </a:solidFill>
+              </a:rPr>
+              <a:t>Marco Longo</a:t>
+            </a:r>
+          </a:p>
+          <a:p>
             <a:r>
               <a:rPr lang="it-IT" dirty="0">
                 <a:solidFill>
@@ -2539,36 +2557,6 @@
                 </a:solidFill>
               </a:rPr>
               <a:t>Carlo Negri</a:t>
-            </a:r>
-          </a:p>
-          <a:p>
-            <a:r>
-              <a:rPr lang="it-IT" dirty="0">
-                <a:solidFill>
-                  <a:schemeClr val="bg1"/>
-                </a:solidFill>
-              </a:rPr>
-              <a:t>Davide Gallotti</a:t>
-            </a:r>
-          </a:p>
-          <a:p>
-            <a:r>
-              <a:rPr lang="it-IT" dirty="0">
-                <a:solidFill>
-                  <a:schemeClr val="bg1"/>
-                </a:solidFill>
-              </a:rPr>
-              <a:t>Federico Gianno</a:t>
-            </a:r>
-          </a:p>
-          <a:p>
-            <a:r>
-              <a:rPr lang="it-IT" dirty="0">
-                <a:solidFill>
-                  <a:schemeClr val="bg1"/>
-                </a:solidFill>
-              </a:rPr>
-              <a:t>Marco Longo</a:t>
             </a:r>
           </a:p>
         </p:txBody>
@@ -2689,7 +2677,7 @@
                 <a:latin typeface="Segoe UI Light" panose="020B0502040204020203" pitchFamily="34" charset="0"/>
                 <a:cs typeface="Segoe UI Light" panose="020B0502040204020203" pitchFamily="34" charset="0"/>
               </a:rPr>
-              <a:t>Login and Sign Up</a:t>
+              <a:t>Sign Up and Login</a:t>
             </a:r>
           </a:p>
         </p:txBody>
@@ -2929,7 +2917,7 @@
                 <a:latin typeface="Segoe UI" panose="020B0502040204020203" pitchFamily="34" charset="0"/>
                 <a:cs typeface="Segoe UI" panose="020B0502040204020203" pitchFamily="34" charset="0"/>
               </a:rPr>
-              <a:t> is an android APP to manage all processes about food delivering.</a:t>
+              <a:t> is an android app to manage all the food delivering process.</a:t>
             </a:r>
           </a:p>
           <a:p>
@@ -2951,7 +2939,7 @@
                 <a:latin typeface="Segoe UI" panose="020B0502040204020203" pitchFamily="34" charset="0"/>
                 <a:cs typeface="Segoe UI" panose="020B0502040204020203" pitchFamily="34" charset="0"/>
               </a:rPr>
-              <a:t>The app is designed for 3 different kind of users</a:t>
+              <a:t>The app is designed for 3 different users</a:t>
             </a:r>
             <a:r>
               <a:rPr lang="it-IT" sz="1400" dirty="0">
@@ -3127,7 +3115,7 @@
                 <a:latin typeface="Segoe UI" panose="020B0502040204020203" pitchFamily="34" charset="0"/>
                 <a:cs typeface="Segoe UI" panose="020B0502040204020203" pitchFamily="34" charset="0"/>
               </a:rPr>
-              <a:t>need</a:t>
+              <a:t>needs</a:t>
             </a:r>
             <a:r>
               <a:rPr lang="it-IT" sz="1400" dirty="0">
@@ -3370,7 +3358,7 @@
                 <a:latin typeface="Segoe UI" panose="020B0502040204020203" pitchFamily="34" charset="0"/>
                 <a:cs typeface="Segoe UI" panose="020B0502040204020203" pitchFamily="34" charset="0"/>
               </a:rPr>
-              <a:t>stored</a:t>
+              <a:t>saved</a:t>
             </a:r>
             <a:r>
               <a:rPr lang="it-IT" sz="1400" dirty="0">
@@ -3605,7 +3593,9 @@
         </p:nvSpPr>
         <p:spPr/>
         <p:txBody>
-          <a:bodyPr/>
+          <a:bodyPr>
+            <a:normAutofit/>
+          </a:bodyPr>
           <a:lstStyle/>
           <a:p>
             <a:r>
@@ -3613,7 +3603,7 @@
                 <a:latin typeface="Segoe UI Light" panose="020B0502040204020203" pitchFamily="34" charset="0"/>
                 <a:cs typeface="Segoe UI Light" panose="020B0502040204020203" pitchFamily="34" charset="0"/>
               </a:rPr>
-              <a:t>Customer Layout</a:t>
+              <a:t>Customer</a:t>
             </a:r>
           </a:p>
         </p:txBody>
@@ -4556,7 +4546,7 @@
                 <a:latin typeface="Segoe UI" panose="020B0502040204020203" pitchFamily="34" charset="0"/>
                 <a:cs typeface="Segoe UI" panose="020B0502040204020203" pitchFamily="34" charset="0"/>
               </a:rPr>
-              <a:t>In order to search a restaurant the user can select different filter criteria based on </a:t>
+              <a:t>The user can select a filter criteria for research based on </a:t>
             </a:r>
             <a:r>
               <a:rPr lang="en-US" sz="1400" b="1" dirty="0" err="1">
@@ -4572,19 +4562,6 @@
               <a:t>Favourites</a:t>
             </a:r>
             <a:r>
-              <a:rPr lang="en-US" sz="1400" b="1" dirty="0">
-                <a:solidFill>
-                  <a:prstClr val="black">
-                    <a:lumMod val="75000"/>
-                    <a:lumOff val="25000"/>
-                  </a:prstClr>
-                </a:solidFill>
-                <a:latin typeface="Segoe UI" panose="020B0502040204020203" pitchFamily="34" charset="0"/>
-                <a:cs typeface="Segoe UI" panose="020B0502040204020203" pitchFamily="34" charset="0"/>
-              </a:rPr>
-              <a:t> Restaurants</a:t>
-            </a:r>
-            <a:r>
               <a:rPr lang="en-US" sz="1400" dirty="0">
                 <a:solidFill>
                   <a:prstClr val="black">
@@ -4598,7 +4575,7 @@
               <a:t>, </a:t>
             </a:r>
             <a:r>
-              <a:rPr lang="en-US" sz="1400" b="1" dirty="0" err="1">
+              <a:rPr lang="en-US" sz="1400" b="1" dirty="0">
                 <a:solidFill>
                   <a:prstClr val="black">
                     <a:lumMod val="75000"/>
@@ -4608,20 +4585,7 @@
                 <a:latin typeface="Segoe UI" panose="020B0502040204020203" pitchFamily="34" charset="0"/>
                 <a:cs typeface="Segoe UI" panose="020B0502040204020203" pitchFamily="34" charset="0"/>
               </a:rPr>
-              <a:t>Cousine</a:t>
-            </a:r>
-            <a:r>
-              <a:rPr lang="en-US" sz="1400" b="1" dirty="0">
-                <a:solidFill>
-                  <a:prstClr val="black">
-                    <a:lumMod val="75000"/>
-                    <a:lumOff val="25000"/>
-                  </a:prstClr>
-                </a:solidFill>
-                <a:latin typeface="Segoe UI" panose="020B0502040204020203" pitchFamily="34" charset="0"/>
-                <a:cs typeface="Segoe UI" panose="020B0502040204020203" pitchFamily="34" charset="0"/>
-              </a:rPr>
-              <a:t> </a:t>
+              <a:t>Cuisine </a:t>
             </a:r>
             <a:r>
               <a:rPr lang="en-US" sz="1400" dirty="0">
@@ -4984,7 +4948,7 @@
                 </a:solidFill>
                 <a:cs typeface="Segoe UI"/>
               </a:rPr>
-              <a:t>It is not allowed to order in a closed Restaurant.</a:t>
+              <a:t>It’s not allowed to order in a closed Restaurant.</a:t>
             </a:r>
           </a:p>
         </p:txBody>
@@ -5239,33 +5203,7 @@
                 <a:latin typeface="Segoe UI" panose="020B0502040204020203" pitchFamily="34" charset="0"/>
                 <a:cs typeface="Segoe UI" panose="020B0502040204020203" pitchFamily="34" charset="0"/>
               </a:rPr>
-              <a:t>The user can select the desired quantity of dishes to be ordered and then confirm the order by selecting the </a:t>
-            </a:r>
-            <a:r>
-              <a:rPr lang="en-US" sz="1400" dirty="0" err="1">
-                <a:solidFill>
-                  <a:prstClr val="black">
-                    <a:lumMod val="75000"/>
-                    <a:lumOff val="25000"/>
-                  </a:prstClr>
-                </a:solidFill>
-                <a:latin typeface="Segoe UI" panose="020B0502040204020203" pitchFamily="34" charset="0"/>
-                <a:cs typeface="Segoe UI" panose="020B0502040204020203" pitchFamily="34" charset="0"/>
-              </a:rPr>
-              <a:t>desidered</a:t>
-            </a:r>
-            <a:r>
-              <a:rPr lang="en-US" sz="1400" dirty="0">
-                <a:solidFill>
-                  <a:prstClr val="black">
-                    <a:lumMod val="75000"/>
-                    <a:lumOff val="25000"/>
-                  </a:prstClr>
-                </a:solidFill>
-                <a:latin typeface="Segoe UI" panose="020B0502040204020203" pitchFamily="34" charset="0"/>
-                <a:cs typeface="Segoe UI" panose="020B0502040204020203" pitchFamily="34" charset="0"/>
-              </a:rPr>
-              <a:t> delivering time.</a:t>
+              <a:t>The user can select desired quantity of dishes to be ordered and then confirm it selecting the delivering time.</a:t>
             </a:r>
           </a:p>
           <a:p>
@@ -5316,7 +5254,7 @@
                 <a:latin typeface="Segoe UI" panose="020B0502040204020203" pitchFamily="34" charset="0"/>
                 <a:cs typeface="Segoe UI" panose="020B0502040204020203" pitchFamily="34" charset="0"/>
               </a:rPr>
-              <a:t>The ‘order’ and ‘review’ fragments are managed by a Page Adapter. </a:t>
+              <a:t>The ‘order’ and ‘review’ fragments are managed by means of a Page Adapter. </a:t>
             </a:r>
           </a:p>
           <a:p>
@@ -6056,13 +5994,13 @@
                 <a:latin typeface="Segoe UI" panose="020B0502040204020203" pitchFamily="34" charset="0"/>
                 <a:cs typeface="Segoe UI" panose="020B0502040204020203" pitchFamily="34" charset="0"/>
               </a:rPr>
-              <a:t>An order history is available on customer app such that the user can check and review the details of each order including the total price  and quantity of dish.</a:t>
+              <a:t>An order history is available on customer app such that the user can check details of each order and review it once it is delivered.</a:t>
             </a:r>
           </a:p>
           <a:p>
             <a:pPr marL="0" indent="0" algn="just">
               <a:spcAft>
-                <a:spcPts val="1200"/>
+                <a:spcPts val="2000"/>
               </a:spcAft>
               <a:buNone/>
             </a:pPr>
@@ -6077,7 +6015,7 @@
                 <a:latin typeface="Segoe UI" panose="020B0502040204020203" pitchFamily="34" charset="0"/>
                 <a:cs typeface="Segoe UI" panose="020B0502040204020203" pitchFamily="34" charset="0"/>
               </a:rPr>
-              <a:t>He can also check the current delivering status:</a:t>
+              <a:t>The user can also keep track of his order by checking the status:</a:t>
             </a:r>
           </a:p>
           <a:p>
@@ -6137,7 +6075,7 @@
                 <a:latin typeface="Segoe UI" panose="020B0502040204020203" pitchFamily="34" charset="0"/>
                 <a:cs typeface="Segoe UI" panose="020B0502040204020203" pitchFamily="34" charset="0"/>
               </a:rPr>
-              <a:t>Order Delivering</a:t>
+              <a:t>Delivering</a:t>
             </a:r>
           </a:p>
           <a:p>
@@ -6798,7 +6736,7 @@
                 <a:latin typeface="Segoe UI Light" panose="020B0502040204020203" pitchFamily="34" charset="0"/>
                 <a:cs typeface="Segoe UI Light" panose="020B0502040204020203" pitchFamily="34" charset="0"/>
               </a:rPr>
-              <a:t>Restaurant Management</a:t>
+              <a:t>Restaurant</a:t>
             </a:r>
           </a:p>
         </p:txBody>
@@ -6901,7 +6839,7 @@
                 <a:latin typeface="Segoe UI" panose="020B0502040204020203" pitchFamily="34" charset="0"/>
                 <a:cs typeface="Segoe UI" panose="020B0502040204020203" pitchFamily="34" charset="0"/>
               </a:rPr>
-              <a:t>The Profile Fragment includes also a rating section which includes all the reviews given by users.</a:t>
+              <a:t>The Profile Fragment includes also a rating section which includes all the reviews given by the customers.</a:t>
             </a:r>
           </a:p>
         </p:txBody>
@@ -7079,7 +7017,7 @@
                 <a:latin typeface="Segoe UI Light" panose="020B0502040204020203" pitchFamily="34" charset="0"/>
                 <a:cs typeface="Segoe UI Light" panose="020B0502040204020203" pitchFamily="34" charset="0"/>
               </a:rPr>
-              <a:t>Adding new dish to Daily Offer menu</a:t>
+              <a:t>Adding new item to Daily Offer menu</a:t>
             </a:r>
           </a:p>
         </p:txBody>
@@ -7311,7 +7249,7 @@
                 <a:latin typeface="Segoe UI" panose="020B0502040204020203" pitchFamily="34" charset="0"/>
                 <a:cs typeface="Segoe UI" panose="020B0502040204020203" pitchFamily="34" charset="0"/>
               </a:rPr>
-              <a:t>Restaurateur can add a new dish by filling all the related info. Once the confirm button is pressed the new dish is </a:t>
+              <a:t>Adding operation is done on a dedicated Activity where the user inserts all the info related to the dish. Once the confirm button is pressed the new item is </a:t>
             </a:r>
             <a:r>
               <a:rPr lang="en-US" sz="1400" dirty="0" err="1">
@@ -7325,7 +7263,7 @@
                 <a:latin typeface="Segoe UI" panose="020B0502040204020203" pitchFamily="34" charset="0"/>
                 <a:cs typeface="Segoe UI" panose="020B0502040204020203" pitchFamily="34" charset="0"/>
               </a:rPr>
-              <a:t> with a </a:t>
+              <a:t> with </a:t>
             </a:r>
             <a:r>
               <a:rPr lang="en-US" sz="1400" dirty="0" err="1">
@@ -7354,7 +7292,7 @@
                 <a:latin typeface="Segoe UI" panose="020B0502040204020203" pitchFamily="34" charset="0"/>
                 <a:cs typeface="Segoe UI" panose="020B0502040204020203" pitchFamily="34" charset="0"/>
               </a:rPr>
-              <a:t>Every item can be updated or removed from the list through two dedicated buttons.</a:t>
+              <a:t>Every item can be updated or removed from the list by means of two dedicated buttons.</a:t>
             </a:r>
           </a:p>
         </p:txBody>
@@ -7547,7 +7485,7 @@
         </p:nvGrpSpPr>
         <p:grpSpPr bwMode="blackWhite">
           <a:xfrm>
-            <a:off x="410361" y="5483373"/>
+            <a:off x="405830" y="5479482"/>
             <a:ext cx="558179" cy="409838"/>
             <a:chOff x="6953426" y="711274"/>
             <a:chExt cx="558179" cy="409838"/>
@@ -7877,7 +7815,7 @@
                 <a:latin typeface="Segoe UI" panose="020B0502040204020203" pitchFamily="34" charset="0"/>
                 <a:cs typeface="Segoe UI" panose="020B0502040204020203" pitchFamily="34" charset="0"/>
               </a:rPr>
-              <a:t>Restaurateur receives the order with a related notification on the </a:t>
+              <a:t>Restaurateur receives order by means of notification on the </a:t>
             </a:r>
             <a:r>
               <a:rPr lang="en-US" dirty="0" err="1">
@@ -7913,7 +7851,7 @@
         </p:nvGrpSpPr>
         <p:grpSpPr bwMode="blackWhite">
           <a:xfrm>
-            <a:off x="3934351" y="5467083"/>
+            <a:off x="3855086" y="5475519"/>
             <a:ext cx="558179" cy="409838"/>
             <a:chOff x="6953426" y="711274"/>
             <a:chExt cx="558179" cy="409838"/>
@@ -8014,7 +7952,7 @@
         </p:nvSpPr>
         <p:spPr>
           <a:xfrm>
-            <a:off x="4459515" y="5448303"/>
+            <a:off x="4351363" y="5466446"/>
             <a:ext cx="3504072" cy="640080"/>
           </a:xfrm>
           <a:prstGeom prst="rect">
@@ -8234,33 +8172,7 @@
                 <a:latin typeface="Segoe UI" panose="020B0502040204020203" pitchFamily="34" charset="0"/>
                 <a:cs typeface="Segoe UI" panose="020B0502040204020203" pitchFamily="34" charset="0"/>
               </a:rPr>
-              <a:t>The user can select the </a:t>
-            </a:r>
-            <a:r>
-              <a:rPr lang="en-US" dirty="0" err="1">
-                <a:solidFill>
-                  <a:prstClr val="black">
-                    <a:lumMod val="75000"/>
-                    <a:lumOff val="25000"/>
-                  </a:prstClr>
-                </a:solidFill>
-                <a:latin typeface="Segoe UI" panose="020B0502040204020203" pitchFamily="34" charset="0"/>
-                <a:cs typeface="Segoe UI" panose="020B0502040204020203" pitchFamily="34" charset="0"/>
-              </a:rPr>
-              <a:t>desidered</a:t>
-            </a:r>
-            <a:r>
-              <a:rPr lang="en-US" dirty="0">
-                <a:solidFill>
-                  <a:prstClr val="black">
-                    <a:lumMod val="75000"/>
-                    <a:lumOff val="25000"/>
-                  </a:prstClr>
-                </a:solidFill>
-                <a:latin typeface="Segoe UI" panose="020B0502040204020203" pitchFamily="34" charset="0"/>
-                <a:cs typeface="Segoe UI" panose="020B0502040204020203" pitchFamily="34" charset="0"/>
-              </a:rPr>
-              <a:t> rider by clicking on him.</a:t>
+              <a:t>The user can himself select the rider on the map. </a:t>
             </a:r>
           </a:p>
         </p:txBody>
@@ -8273,7 +8185,7 @@
         </p:nvGrpSpPr>
         <p:grpSpPr bwMode="blackWhite">
           <a:xfrm>
-            <a:off x="8263533" y="5487811"/>
+            <a:off x="8275381" y="5430602"/>
             <a:ext cx="558179" cy="409838"/>
             <a:chOff x="6953426" y="711274"/>
             <a:chExt cx="558179" cy="409838"/>
@@ -8597,7 +8509,7 @@
                 <a:latin typeface="Segoe UI" panose="020B0502040204020203" pitchFamily="34" charset="0"/>
                 <a:cs typeface="Segoe UI" panose="020B0502040204020203" pitchFamily="34" charset="0"/>
               </a:rPr>
-              <a:t>In alternative way by a list of riders or choosing automatically the nearest one.</a:t>
+              <a:t>In alternative way by a list of riders or choosing automatically the nearest one </a:t>
             </a:r>
           </a:p>
         </p:txBody>
@@ -8837,7 +8749,7 @@
         </p:blipFill>
         <p:spPr>
           <a:xfrm>
-            <a:off x="7398326" y="1786815"/>
+            <a:off x="8822993" y="1914337"/>
             <a:ext cx="2336238" cy="4181023"/>
           </a:xfrm>
           <a:prstGeom prst="rect">
@@ -9025,6 +8937,42 @@
           </a:p>
         </p:txBody>
       </p:sp>
+      <p:pic>
+        <p:nvPicPr>
+          <p:cNvPr id="6" name="Picture 5" descr="A screenshot of a cell phone&#10;&#10;Description automatically generated">
+            <a:extLst>
+              <a:ext uri="{FF2B5EF4-FFF2-40B4-BE49-F238E27FC236}">
+                <a16:creationId xmlns:a16="http://schemas.microsoft.com/office/drawing/2014/main" id="{5E186699-CFAE-4893-B17C-DEA9555D51B1}"/>
+              </a:ext>
+            </a:extLst>
+          </p:cNvPr>
+          <p:cNvPicPr>
+            <a:picLocks noChangeAspect="1"/>
+          </p:cNvPicPr>
+          <p:nvPr/>
+        </p:nvPicPr>
+        <p:blipFill>
+          <a:blip r:embed="rId3" cstate="print">
+            <a:extLst>
+              <a:ext uri="{28A0092B-C50C-407E-A947-70E740481C1C}">
+                <a14:useLocalDpi xmlns:a14="http://schemas.microsoft.com/office/drawing/2010/main" val="0"/>
+              </a:ext>
+            </a:extLst>
+          </a:blip>
+          <a:stretch>
+            <a:fillRect/>
+          </a:stretch>
+        </p:blipFill>
+        <p:spPr>
+          <a:xfrm>
+            <a:off x="5804617" y="1914337"/>
+            <a:ext cx="2336225" cy="4193413"/>
+          </a:xfrm>
+          <a:prstGeom prst="rect">
+            <a:avLst/>
+          </a:prstGeom>
+        </p:spPr>
+      </p:pic>
     </p:spTree>
     <p:extLst>
       <p:ext uri="{BB962C8B-B14F-4D97-AF65-F5344CB8AC3E}">
@@ -9804,6 +9752,23 @@
 </file>
 
 <file path=customXml/item1.xml><?xml version="1.0" encoding="utf-8"?>
+<p:properties xmlns:p="http://schemas.microsoft.com/office/2006/metadata/properties" xmlns:xsi="http://www.w3.org/2001/XMLSchema-instance" xmlns:pc="http://schemas.microsoft.com/office/infopath/2007/PartnerControls">
+  <documentManagement>
+    <MediaServiceKeyPoints xmlns="71af3243-3dd4-4a8d-8c0d-dd76da1f02a5" xsi:nil="true"/>
+  </documentManagement>
+</p:properties>
+</file>
+
+<file path=customXml/item2.xml><?xml version="1.0" encoding="utf-8"?>
+<?mso-contentType ?>
+<FormTemplates xmlns="http://schemas.microsoft.com/sharepoint/v3/contenttype/forms">
+  <Display>DocumentLibraryForm</Display>
+  <Edit>DocumentLibraryForm</Edit>
+  <New>DocumentLibraryForm</New>
+</FormTemplates>
+</file>
+
+<file path=customXml/item3.xml><?xml version="1.0" encoding="utf-8"?>
 <ct:contentTypeSchema xmlns:ct="http://schemas.microsoft.com/office/2006/metadata/contentType" xmlns:ma="http://schemas.microsoft.com/office/2006/metadata/properties/metaAttributes" ct:_="" ma:_="" ma:contentTypeName="Document" ma:contentTypeID="0x01010079F111ED35F8CC479449609E8A0923A6" ma:contentTypeVersion="11" ma:contentTypeDescription="Create a new document." ma:contentTypeScope="" ma:versionID="96291512c1ee715ab617f4c07df79fc1">
   <xsd:schema xmlns:xsd="http://www.w3.org/2001/XMLSchema" xmlns:xs="http://www.w3.org/2001/XMLSchema" xmlns:p="http://schemas.microsoft.com/office/2006/metadata/properties" xmlns:ns2="71af3243-3dd4-4a8d-8c0d-dd76da1f02a5" xmlns:ns3="16c05727-aa75-4e4a-9b5f-8a80a1165891" targetNamespace="http://schemas.microsoft.com/office/2006/metadata/properties" ma:root="true" ma:fieldsID="8256c27c40ca5c40ce1cf6c44f0205df" ns2:_="" ns3:_="">
     <xsd:import namespace="71af3243-3dd4-4a8d-8c0d-dd76da1f02a5"/>
@@ -10014,24 +9979,32 @@
 </ct:contentTypeSchema>
 </file>
 
-<file path=customXml/item2.xml><?xml version="1.0" encoding="utf-8"?>
-<p:properties xmlns:p="http://schemas.microsoft.com/office/2006/metadata/properties" xmlns:xsi="http://www.w3.org/2001/XMLSchema-instance" xmlns:pc="http://schemas.microsoft.com/office/infopath/2007/PartnerControls">
-  <documentManagement>
-    <MediaServiceKeyPoints xmlns="71af3243-3dd4-4a8d-8c0d-dd76da1f02a5" xsi:nil="true"/>
-  </documentManagement>
-</p:properties>
+<file path=customXml/itemProps1.xml><?xml version="1.0" encoding="utf-8"?>
+<ds:datastoreItem xmlns:ds="http://schemas.openxmlformats.org/officeDocument/2006/customXml" ds:itemID="{7BED6A94-6CEC-4690-B5D0-3E831BCC769C}">
+  <ds:schemaRefs>
+    <ds:schemaRef ds:uri="71af3243-3dd4-4a8d-8c0d-dd76da1f02a5"/>
+    <ds:schemaRef ds:uri="http://purl.org/dc/dcmitype/"/>
+    <ds:schemaRef ds:uri="http://purl.org/dc/terms/"/>
+    <ds:schemaRef ds:uri="http://www.w3.org/XML/1998/namespace"/>
+    <ds:schemaRef ds:uri="http://purl.org/dc/elements/1.1/"/>
+    <ds:schemaRef ds:uri="http://schemas.microsoft.com/office/infopath/2007/PartnerControls"/>
+    <ds:schemaRef ds:uri="http://schemas.microsoft.com/office/2006/documentManagement/types"/>
+    <ds:schemaRef ds:uri="http://schemas.openxmlformats.org/package/2006/metadata/core-properties"/>
+    <ds:schemaRef ds:uri="16c05727-aa75-4e4a-9b5f-8a80a1165891"/>
+    <ds:schemaRef ds:uri="http://schemas.microsoft.com/office/2006/metadata/properties"/>
+  </ds:schemaRefs>
+</ds:datastoreItem>
 </file>
 
-<file path=customXml/item3.xml><?xml version="1.0" encoding="utf-8"?>
-<?mso-contentType ?>
-<FormTemplates xmlns="http://schemas.microsoft.com/sharepoint/v3/contenttype/forms">
-  <Display>DocumentLibraryForm</Display>
-  <Edit>DocumentLibraryForm</Edit>
-  <New>DocumentLibraryForm</New>
-</FormTemplates>
+<file path=customXml/itemProps2.xml><?xml version="1.0" encoding="utf-8"?>
+<ds:datastoreItem xmlns:ds="http://schemas.openxmlformats.org/officeDocument/2006/customXml" ds:itemID="{A68F36FF-D6F8-4F25-B1D6-7893F2294B63}">
+  <ds:schemaRefs>
+    <ds:schemaRef ds:uri="http://schemas.microsoft.com/sharepoint/v3/contenttype/forms"/>
+  </ds:schemaRefs>
+</ds:datastoreItem>
 </file>
 
-<file path=customXml/itemProps1.xml><?xml version="1.0" encoding="utf-8"?>
+<file path=customXml/itemProps3.xml><?xml version="1.0" encoding="utf-8"?>
 <ds:datastoreItem xmlns:ds="http://schemas.openxmlformats.org/officeDocument/2006/customXml" ds:itemID="{E60B3179-FCE1-482B-B473-8B7BB6F9AC8B}">
   <ds:schemaRefs>
     <ds:schemaRef ds:uri="http://schemas.microsoft.com/office/2006/metadata/contentType"/>
@@ -10048,29 +10021,4 @@
     <ds:schemaRef ds:uri="http://schemas.microsoft.com/internal/obd"/>
   </ds:schemaRefs>
 </ds:datastoreItem>
-</file>
-
-<file path=customXml/itemProps2.xml><?xml version="1.0" encoding="utf-8"?>
-<ds:datastoreItem xmlns:ds="http://schemas.openxmlformats.org/officeDocument/2006/customXml" ds:itemID="{7BED6A94-6CEC-4690-B5D0-3E831BCC769C}">
-  <ds:schemaRefs>
-    <ds:schemaRef ds:uri="http://purl.org/dc/terms/"/>
-    <ds:schemaRef ds:uri="http://schemas.openxmlformats.org/package/2006/metadata/core-properties"/>
-    <ds:schemaRef ds:uri="16c05727-aa75-4e4a-9b5f-8a80a1165891"/>
-    <ds:schemaRef ds:uri="http://purl.org/dc/dcmitype/"/>
-    <ds:schemaRef ds:uri="http://schemas.microsoft.com/office/infopath/2007/PartnerControls"/>
-    <ds:schemaRef ds:uri="http://schemas.microsoft.com/office/2006/documentManagement/types"/>
-    <ds:schemaRef ds:uri="http://purl.org/dc/elements/1.1/"/>
-    <ds:schemaRef ds:uri="http://schemas.microsoft.com/office/2006/metadata/properties"/>
-    <ds:schemaRef ds:uri="71af3243-3dd4-4a8d-8c0d-dd76da1f02a5"/>
-    <ds:schemaRef ds:uri="http://www.w3.org/XML/1998/namespace"/>
-  </ds:schemaRefs>
-</ds:datastoreItem>
-</file>
-
-<file path=customXml/itemProps3.xml><?xml version="1.0" encoding="utf-8"?>
-<ds:datastoreItem xmlns:ds="http://schemas.openxmlformats.org/officeDocument/2006/customXml" ds:itemID="{A68F36FF-D6F8-4F25-B1D6-7893F2294B63}">
-  <ds:schemaRefs>
-    <ds:schemaRef ds:uri="http://schemas.microsoft.com/sharepoint/v3/contenttype/forms"/>
-  </ds:schemaRefs>
-</ds:datastoreItem>
 </file>
--- a/APPetit Presentation.pptx
+++ b/APPetit Presentation.pptx
@@ -2455,7 +2455,7 @@
                 </a:solidFill>
                 <a:latin typeface="+mj-lt"/>
               </a:rPr>
-              <a:t>An Android app for food delivering</a:t>
+              <a:t>Android food delivery APP</a:t>
             </a:r>
           </a:p>
         </p:txBody>
@@ -2677,7 +2677,7 @@
                 <a:latin typeface="Segoe UI Light" panose="020B0502040204020203" pitchFamily="34" charset="0"/>
                 <a:cs typeface="Segoe UI Light" panose="020B0502040204020203" pitchFamily="34" charset="0"/>
               </a:rPr>
-              <a:t>Sign Up and Login</a:t>
+              <a:t>Login and Sign Up</a:t>
             </a:r>
           </a:p>
         </p:txBody>
@@ -4948,7 +4948,7 @@
                 </a:solidFill>
                 <a:cs typeface="Segoe UI"/>
               </a:rPr>
-              <a:t>It’s not allowed to order in a closed Restaurant.</a:t>
+              <a:t>It is not allowed to order in a closed Restaurant.</a:t>
             </a:r>
           </a:p>
         </p:txBody>
@@ -9752,20 +9752,20 @@
 </file>
 
 <file path=customXml/item1.xml><?xml version="1.0" encoding="utf-8"?>
-<p:properties xmlns:p="http://schemas.microsoft.com/office/2006/metadata/properties" xmlns:xsi="http://www.w3.org/2001/XMLSchema-instance" xmlns:pc="http://schemas.microsoft.com/office/infopath/2007/PartnerControls">
-  <documentManagement>
-    <MediaServiceKeyPoints xmlns="71af3243-3dd4-4a8d-8c0d-dd76da1f02a5" xsi:nil="true"/>
-  </documentManagement>
-</p:properties>
-</file>
-
-<file path=customXml/item2.xml><?xml version="1.0" encoding="utf-8"?>
 <?mso-contentType ?>
 <FormTemplates xmlns="http://schemas.microsoft.com/sharepoint/v3/contenttype/forms">
   <Display>DocumentLibraryForm</Display>
   <Edit>DocumentLibraryForm</Edit>
   <New>DocumentLibraryForm</New>
 </FormTemplates>
+</file>
+
+<file path=customXml/item2.xml><?xml version="1.0" encoding="utf-8"?>
+<p:properties xmlns:p="http://schemas.microsoft.com/office/2006/metadata/properties" xmlns:xsi="http://www.w3.org/2001/XMLSchema-instance" xmlns:pc="http://schemas.microsoft.com/office/infopath/2007/PartnerControls">
+  <documentManagement>
+    <MediaServiceKeyPoints xmlns="71af3243-3dd4-4a8d-8c0d-dd76da1f02a5" xsi:nil="true"/>
+  </documentManagement>
+</p:properties>
 </file>
 
 <file path=customXml/item3.xml><?xml version="1.0" encoding="utf-8"?>
@@ -9980,6 +9980,14 @@
 </file>
 
 <file path=customXml/itemProps1.xml><?xml version="1.0" encoding="utf-8"?>
+<ds:datastoreItem xmlns:ds="http://schemas.openxmlformats.org/officeDocument/2006/customXml" ds:itemID="{A68F36FF-D6F8-4F25-B1D6-7893F2294B63}">
+  <ds:schemaRefs>
+    <ds:schemaRef ds:uri="http://schemas.microsoft.com/sharepoint/v3/contenttype/forms"/>
+  </ds:schemaRefs>
+</ds:datastoreItem>
+</file>
+
+<file path=customXml/itemProps2.xml><?xml version="1.0" encoding="utf-8"?>
 <ds:datastoreItem xmlns:ds="http://schemas.openxmlformats.org/officeDocument/2006/customXml" ds:itemID="{7BED6A94-6CEC-4690-B5D0-3E831BCC769C}">
   <ds:schemaRefs>
     <ds:schemaRef ds:uri="71af3243-3dd4-4a8d-8c0d-dd76da1f02a5"/>
@@ -9992,14 +10000,6 @@
     <ds:schemaRef ds:uri="http://schemas.openxmlformats.org/package/2006/metadata/core-properties"/>
     <ds:schemaRef ds:uri="16c05727-aa75-4e4a-9b5f-8a80a1165891"/>
     <ds:schemaRef ds:uri="http://schemas.microsoft.com/office/2006/metadata/properties"/>
-  </ds:schemaRefs>
-</ds:datastoreItem>
-</file>
-
-<file path=customXml/itemProps2.xml><?xml version="1.0" encoding="utf-8"?>
-<ds:datastoreItem xmlns:ds="http://schemas.openxmlformats.org/officeDocument/2006/customXml" ds:itemID="{A68F36FF-D6F8-4F25-B1D6-7893F2294B63}">
-  <ds:schemaRefs>
-    <ds:schemaRef ds:uri="http://schemas.microsoft.com/sharepoint/v3/contenttype/forms"/>
   </ds:schemaRefs>
 </ds:datastoreItem>
 </file>
